--- a/output/presentation.pptx
+++ b/output/presentation.pptx
@@ -13,6 +13,7 @@
     <p:sldId id="261" r:id="rId12"/>
     <p:sldId id="262" r:id="rId13"/>
     <p:sldId id="263" r:id="rId14"/>
+    <p:sldId id="264" r:id="rId15"/>
   </p:sldIdLst>
   <p:sldSz cx="9144000" cy="6858000" type="screen4x3"/>
   <p:notesSz cx="6858000" cy="9144000"/>
@@ -3223,7 +3224,7 @@
           <a:lstStyle/>
           <a:p>
             <a:r>
-              <a:t>Personal Social Norms</a:t>
+              <a:t>Definition of Social Norms</a:t>
             </a:r>
           </a:p>
         </p:txBody>
@@ -3254,7 +3255,7 @@
               <a:defRPr sz="2000"/>
             </a:pPr>
             <a:r>
-              <a:t>Respect for diversity</a:t>
+              <a:t>Shared guidelines for behavior</a:t>
             </a:r>
           </a:p>
           <a:p>
@@ -3262,7 +3263,7 @@
               <a:defRPr sz="2000"/>
             </a:pPr>
             <a:r>
-              <a:t>Emphasis on community support</a:t>
+              <a:t>Influence individual actions</a:t>
             </a:r>
           </a:p>
           <a:p>
@@ -3270,7 +3271,7 @@
               <a:defRPr sz="2000"/>
             </a:pPr>
             <a:r>
-              <a:t>Value of honesty in business</a:t>
+              <a:t>Shape group dynamics</a:t>
             </a:r>
           </a:p>
           <a:p>
@@ -3278,7 +3279,7 @@
               <a:defRPr sz="2000"/>
             </a:pPr>
             <a:r>
-              <a:t>Importance of work-life balance</a:t>
+              <a:t>Varies across cultures</a:t>
             </a:r>
           </a:p>
           <a:p>
@@ -3286,7 +3287,7 @@
               <a:defRPr sz="2000"/>
             </a:pPr>
             <a:r>
-              <a:t>Encouragement of innovation</a:t>
+              <a:t>Impact business operations</a:t>
             </a:r>
           </a:p>
         </p:txBody>
@@ -3349,63 +3350,7 @@
           <a:lstStyle/>
           <a:p>
             <a:r>
-              <a:t>Impact of Culture on Business</a:t>
-            </a:r>
-          </a:p>
-        </p:txBody>
-      </p:sp>
-      <p:sp>
-        <p:nvSpPr>
-          <p:cNvPr id="3" name="Text Placeholder 2"/>
-          <p:cNvSpPr>
-            <a:spLocks noGrp="1"/>
-          </p:cNvSpPr>
-          <p:nvPr>
-            <p:ph type="body" idx="1"/>
-          </p:nvPr>
-        </p:nvSpPr>
-        <p:spPr/>
-        <p:txBody>
-          <a:bodyPr/>
-          <a:lstStyle/>
-          <a:p/>
-        </p:txBody>
-      </p:sp>
-    </p:spTree>
-  </p:cSld>
-  <p:clrMapOvr>
-    <a:masterClrMapping/>
-  </p:clrMapOvr>
-</p:sld>
-</file>
-
-<file path=ppt/slides/slide5.xml><?xml version="1.0" encoding="utf-8"?>
-<p:sld xmlns:a="http://schemas.openxmlformats.org/drawingml/2006/main" xmlns:p="http://schemas.openxmlformats.org/presentationml/2006/main" xmlns:r="http://schemas.openxmlformats.org/officeDocument/2006/relationships">
-  <p:cSld>
-    <p:spTree>
-      <p:nvGrpSpPr>
-        <p:cNvPr id="1" name=""/>
-        <p:cNvGrpSpPr/>
-        <p:nvPr/>
-      </p:nvGrpSpPr>
-      <p:grpSpPr/>
-      <p:sp>
-        <p:nvSpPr>
-          <p:cNvPr id="2" name="Title 1"/>
-          <p:cNvSpPr>
-            <a:spLocks noGrp="1"/>
-          </p:cNvSpPr>
-          <p:nvPr>
-            <p:ph type="title"/>
-          </p:nvPr>
-        </p:nvSpPr>
-        <p:spPr/>
-        <p:txBody>
-          <a:bodyPr/>
-          <a:lstStyle/>
-          <a:p>
-            <a:r>
-              <a:t>Cultural Observations in Business</a:t>
+              <a:t>Personal Observations of Social Norms</a:t>
             </a:r>
           </a:p>
         </p:txBody>
@@ -3436,7 +3381,7 @@
               <a:defRPr sz="2000"/>
             </a:pPr>
             <a:r>
-              <a:t>Adaptation to local customs</a:t>
+              <a:t>Respect for hierarchy in workplaces</a:t>
             </a:r>
           </a:p>
           <a:p>
@@ -3444,7 +3389,7 @@
               <a:defRPr sz="2000"/>
             </a:pPr>
             <a:r>
-              <a:t>Communication styles vary by culture</a:t>
+              <a:t>Importance of punctuality</a:t>
             </a:r>
           </a:p>
           <a:p>
@@ -3452,7 +3397,7 @@
               <a:defRPr sz="2000"/>
             </a:pPr>
             <a:r>
-              <a:t>Negotiation tactics influenced by culture</a:t>
+              <a:t>Value of teamwork and collaboration</a:t>
             </a:r>
           </a:p>
           <a:p>
@@ -3460,7 +3405,7 @@
               <a:defRPr sz="2000"/>
             </a:pPr>
             <a:r>
-              <a:t>Consumer behavior shaped by social values</a:t>
+              <a:t>Diverse communication styles</a:t>
             </a:r>
           </a:p>
           <a:p>
@@ -3468,14 +3413,14 @@
               <a:defRPr sz="2000"/>
             </a:pPr>
             <a:r>
-              <a:t>Corporate social responsibility expectations</a:t>
+              <a:t>Adaptation to local customs</a:t>
             </a:r>
           </a:p>
         </p:txBody>
       </p:sp>
       <p:pic>
         <p:nvPicPr>
-          <p:cNvPr id="4" name="Picture 3" descr="slide_05.png"/>
+          <p:cNvPr id="4" name="Picture 3" descr="slide_04.png"/>
           <p:cNvPicPr>
             <a:picLocks noChangeAspect="1"/>
           </p:cNvPicPr>
@@ -3505,6 +3450,62 @@
 </p:sld>
 </file>
 
+<file path=ppt/slides/slide5.xml><?xml version="1.0" encoding="utf-8"?>
+<p:sld xmlns:a="http://schemas.openxmlformats.org/drawingml/2006/main" xmlns:p="http://schemas.openxmlformats.org/presentationml/2006/main" xmlns:r="http://schemas.openxmlformats.org/officeDocument/2006/relationships">
+  <p:cSld>
+    <p:spTree>
+      <p:nvGrpSpPr>
+        <p:cNvPr id="1" name=""/>
+        <p:cNvGrpSpPr/>
+        <p:nvPr/>
+      </p:nvGrpSpPr>
+      <p:grpSpPr/>
+      <p:sp>
+        <p:nvSpPr>
+          <p:cNvPr id="2" name="Title 1"/>
+          <p:cNvSpPr>
+            <a:spLocks noGrp="1"/>
+          </p:cNvSpPr>
+          <p:nvPr>
+            <p:ph type="title"/>
+          </p:nvPr>
+        </p:nvSpPr>
+        <p:spPr/>
+        <p:txBody>
+          <a:bodyPr/>
+          <a:lstStyle/>
+          <a:p>
+            <a:r>
+              <a:t>Impact of Values on Business</a:t>
+            </a:r>
+          </a:p>
+        </p:txBody>
+      </p:sp>
+      <p:sp>
+        <p:nvSpPr>
+          <p:cNvPr id="3" name="Text Placeholder 2"/>
+          <p:cNvSpPr>
+            <a:spLocks noGrp="1"/>
+          </p:cNvSpPr>
+          <p:nvPr>
+            <p:ph type="body" idx="1"/>
+          </p:nvPr>
+        </p:nvSpPr>
+        <p:spPr/>
+        <p:txBody>
+          <a:bodyPr/>
+          <a:lstStyle/>
+          <a:p/>
+        </p:txBody>
+      </p:sp>
+    </p:spTree>
+  </p:cSld>
+  <p:clrMapOvr>
+    <a:masterClrMapping/>
+  </p:clrMapOvr>
+</p:sld>
+</file>
+
 <file path=ppt/slides/slide6.xml><?xml version="1.0" encoding="utf-8"?>
 <p:sld xmlns:a="http://schemas.openxmlformats.org/drawingml/2006/main" xmlns:p="http://schemas.openxmlformats.org/presentationml/2006/main" xmlns:r="http://schemas.openxmlformats.org/officeDocument/2006/relationships">
   <p:cSld>
@@ -3531,28 +3532,98 @@
           <a:lstStyle/>
           <a:p>
             <a:r>
-              <a:t>Personal Experiences</a:t>
-            </a:r>
-          </a:p>
-        </p:txBody>
-      </p:sp>
-      <p:sp>
-        <p:nvSpPr>
-          <p:cNvPr id="3" name="Text Placeholder 2"/>
-          <p:cNvSpPr>
-            <a:spLocks noGrp="1"/>
-          </p:cNvSpPr>
-          <p:nvPr>
-            <p:ph type="body" idx="1"/>
-          </p:nvPr>
-        </p:nvSpPr>
-        <p:spPr/>
-        <p:txBody>
-          <a:bodyPr/>
-          <a:lstStyle/>
-          <a:p/>
-        </p:txBody>
-      </p:sp>
+              <a:t>Key Values Affecting Business</a:t>
+            </a:r>
+          </a:p>
+        </p:txBody>
+      </p:sp>
+      <p:sp>
+        <p:nvSpPr>
+          <p:cNvPr id="3" name="TextBox 2"/>
+          <p:cNvSpPr txBox="1"/>
+          <p:nvPr/>
+        </p:nvSpPr>
+        <p:spPr>
+          <a:xfrm>
+            <a:off x="640080" y="1463040"/>
+            <a:ext cx="4937760" cy="4206240"/>
+          </a:xfrm>
+          <a:prstGeom prst="rect">
+            <a:avLst/>
+          </a:prstGeom>
+          <a:noFill/>
+        </p:spPr>
+        <p:txBody>
+          <a:bodyPr wrap="square">
+            <a:spAutoFit/>
+          </a:bodyPr>
+          <a:lstStyle/>
+          <a:p>
+            <a:pPr>
+              <a:defRPr sz="2000"/>
+            </a:pPr>
+            <a:r>
+              <a:t>Integrity and honesty</a:t>
+            </a:r>
+          </a:p>
+          <a:p>
+            <a:pPr>
+              <a:defRPr sz="2000"/>
+            </a:pPr>
+            <a:r>
+              <a:t>Customer-centric approach</a:t>
+            </a:r>
+          </a:p>
+          <a:p>
+            <a:pPr>
+              <a:defRPr sz="2000"/>
+            </a:pPr>
+            <a:r>
+              <a:t>Sustainability and social responsibility</a:t>
+            </a:r>
+          </a:p>
+          <a:p>
+            <a:pPr>
+              <a:defRPr sz="2000"/>
+            </a:pPr>
+            <a:r>
+              <a:t>Innovation and adaptability</a:t>
+            </a:r>
+          </a:p>
+          <a:p>
+            <a:pPr>
+              <a:defRPr sz="2000"/>
+            </a:pPr>
+            <a:r>
+              <a:t>Respect for diversity</a:t>
+            </a:r>
+          </a:p>
+        </p:txBody>
+      </p:sp>
+      <p:pic>
+        <p:nvPicPr>
+          <p:cNvPr id="4" name="Picture 3" descr="slide_06.png"/>
+          <p:cNvPicPr>
+            <a:picLocks noChangeAspect="1"/>
+          </p:cNvPicPr>
+          <p:nvPr/>
+        </p:nvPicPr>
+        <p:blipFill>
+          <a:blip r:embed="rId2"/>
+          <a:stretch>
+            <a:fillRect/>
+          </a:stretch>
+        </p:blipFill>
+        <p:spPr>
+          <a:xfrm>
+            <a:off x="5852160" y="1463040"/>
+            <a:ext cx="2834640" cy="2834640"/>
+          </a:xfrm>
+          <a:prstGeom prst="rect">
+            <a:avLst/>
+          </a:prstGeom>
+        </p:spPr>
+      </p:pic>
     </p:spTree>
   </p:cSld>
   <p:clrMapOvr>
@@ -3587,7 +3658,7 @@
           <a:lstStyle/>
           <a:p>
             <a:r>
-              <a:t>Lessons Learned</a:t>
+              <a:t>Case Studies of Socio-Cultural Impact</a:t>
             </a:r>
           </a:p>
         </p:txBody>
@@ -3618,7 +3689,7 @@
               <a:defRPr sz="2000"/>
             </a:pPr>
             <a:r>
-              <a:t>Embrace cultural differences</a:t>
+              <a:t>Successful global brands adapting to local cultures</a:t>
             </a:r>
           </a:p>
           <a:p>
@@ -3626,7 +3697,7 @@
               <a:defRPr sz="2000"/>
             </a:pPr>
             <a:r>
-              <a:t>Build relationships through understanding</a:t>
+              <a:t>Failures due to cultural misunderstandings</a:t>
             </a:r>
           </a:p>
           <a:p>
@@ -3634,7 +3705,7 @@
               <a:defRPr sz="2000"/>
             </a:pPr>
             <a:r>
-              <a:t>Adapt business strategies to local norms</a:t>
+              <a:t>Role of cultural sensitivity in marketing</a:t>
             </a:r>
           </a:p>
           <a:p>
@@ -3642,7 +3713,7 @@
               <a:defRPr sz="2000"/>
             </a:pPr>
             <a:r>
-              <a:t>Foster inclusive work environments</a:t>
+              <a:t>Examples from multinational corporations</a:t>
             </a:r>
           </a:p>
           <a:p>
@@ -3650,7 +3721,7 @@
               <a:defRPr sz="2000"/>
             </a:pPr>
             <a:r>
-              <a:t>Leverage cultural insights for competitive advantage</a:t>
+              <a:t>Lessons learned for future strategies</a:t>
             </a:r>
           </a:p>
         </p:txBody>
@@ -3704,7 +3775,7 @@
             <a:spLocks noGrp="1"/>
           </p:cNvSpPr>
           <p:nvPr>
-            <p:ph type="ctrTitle"/>
+            <p:ph type="title"/>
           </p:nvPr>
         </p:nvSpPr>
         <p:spPr/>
@@ -3720,12 +3791,12 @@
       </p:sp>
       <p:sp>
         <p:nvSpPr>
-          <p:cNvPr id="3" name="Subtitle 2"/>
-          <p:cNvSpPr>
-            <a:spLocks noGrp="1"/>
-          </p:cNvSpPr>
-          <p:nvPr>
-            <p:ph type="subTitle" idx="1"/>
+          <p:cNvPr id="3" name="Text Placeholder 2"/>
+          <p:cNvSpPr>
+            <a:spLocks noGrp="1"/>
+          </p:cNvSpPr>
+          <p:nvPr>
+            <p:ph type="body" idx="1"/>
           </p:nvPr>
         </p:nvSpPr>
         <p:spPr/>
@@ -3735,6 +3806,132 @@
           <a:p/>
         </p:txBody>
       </p:sp>
+    </p:spTree>
+  </p:cSld>
+  <p:clrMapOvr>
+    <a:masterClrMapping/>
+  </p:clrMapOvr>
+</p:sld>
+</file>
+
+<file path=ppt/slides/slide9.xml><?xml version="1.0" encoding="utf-8"?>
+<p:sld xmlns:a="http://schemas.openxmlformats.org/drawingml/2006/main" xmlns:p="http://schemas.openxmlformats.org/presentationml/2006/main" xmlns:r="http://schemas.openxmlformats.org/officeDocument/2006/relationships">
+  <p:cSld>
+    <p:spTree>
+      <p:nvGrpSpPr>
+        <p:cNvPr id="1" name=""/>
+        <p:cNvGrpSpPr/>
+        <p:nvPr/>
+      </p:nvGrpSpPr>
+      <p:grpSpPr/>
+      <p:sp>
+        <p:nvSpPr>
+          <p:cNvPr id="2" name="Title 1"/>
+          <p:cNvSpPr>
+            <a:spLocks noGrp="1"/>
+          </p:cNvSpPr>
+          <p:nvPr>
+            <p:ph type="title"/>
+          </p:nvPr>
+        </p:nvSpPr>
+        <p:spPr/>
+        <p:txBody>
+          <a:bodyPr/>
+          <a:lstStyle/>
+          <a:p>
+            <a:r>
+              <a:t>Final Thoughts</a:t>
+            </a:r>
+          </a:p>
+        </p:txBody>
+      </p:sp>
+      <p:sp>
+        <p:nvSpPr>
+          <p:cNvPr id="3" name="TextBox 2"/>
+          <p:cNvSpPr txBox="1"/>
+          <p:nvPr/>
+        </p:nvSpPr>
+        <p:spPr>
+          <a:xfrm>
+            <a:off x="640080" y="1463040"/>
+            <a:ext cx="4937760" cy="4206240"/>
+          </a:xfrm>
+          <a:prstGeom prst="rect">
+            <a:avLst/>
+          </a:prstGeom>
+          <a:noFill/>
+        </p:spPr>
+        <p:txBody>
+          <a:bodyPr wrap="square">
+            <a:spAutoFit/>
+          </a:bodyPr>
+          <a:lstStyle/>
+          <a:p>
+            <a:pPr>
+              <a:defRPr sz="2000"/>
+            </a:pPr>
+            <a:r>
+              <a:t>Embrace cultural diversity</a:t>
+            </a:r>
+          </a:p>
+          <a:p>
+            <a:pPr>
+              <a:defRPr sz="2000"/>
+            </a:pPr>
+            <a:r>
+              <a:t>Adapt business strategies accordingly</a:t>
+            </a:r>
+          </a:p>
+          <a:p>
+            <a:pPr>
+              <a:defRPr sz="2000"/>
+            </a:pPr>
+            <a:r>
+              <a:t>Foster inclusive environments</a:t>
+            </a:r>
+          </a:p>
+          <a:p>
+            <a:pPr>
+              <a:defRPr sz="2000"/>
+            </a:pPr>
+            <a:r>
+              <a:t>Continuous learning about cultures</a:t>
+            </a:r>
+          </a:p>
+          <a:p>
+            <a:pPr>
+              <a:defRPr sz="2000"/>
+            </a:pPr>
+            <a:r>
+              <a:t>Build strong community relations</a:t>
+            </a:r>
+          </a:p>
+        </p:txBody>
+      </p:sp>
+      <p:pic>
+        <p:nvPicPr>
+          <p:cNvPr id="4" name="Picture 3" descr="slide_09.png"/>
+          <p:cNvPicPr>
+            <a:picLocks noChangeAspect="1"/>
+          </p:cNvPicPr>
+          <p:nvPr/>
+        </p:nvPicPr>
+        <p:blipFill>
+          <a:blip r:embed="rId2"/>
+          <a:stretch>
+            <a:fillRect/>
+          </a:stretch>
+        </p:blipFill>
+        <p:spPr>
+          <a:xfrm>
+            <a:off x="5852160" y="1463040"/>
+            <a:ext cx="2834640" cy="2834640"/>
+          </a:xfrm>
+          <a:prstGeom prst="rect">
+            <a:avLst/>
+          </a:prstGeom>
+        </p:spPr>
+      </p:pic>
     </p:spTree>
   </p:cSld>
   <p:clrMapOvr>
